--- a/PROCESS FLOW OF INVENTORY TRANSFER REQUEST.pptx
+++ b/PROCESS FLOW OF INVENTORY TRANSFER REQUEST.pptx
@@ -301,7 +301,7 @@
           <a:p>
             <a:fld id="{4AAD347D-5ACD-4C99-B74B-A9C85AD731AF}" type="datetimeFigureOut">
               <a:rPr lang="en-US" dirty="0"/>
-              <a:t>3/16/2024</a:t>
+              <a:t>3/23/2024</a:t>
             </a:fld>
             <a:endParaRPr lang="en-US" dirty="0"/>
           </a:p>
@@ -571,7 +571,7 @@
           <a:p>
             <a:fld id="{4509A250-FF31-4206-8172-F9D3106AACB1}" type="datetimeFigureOut">
               <a:rPr lang="en-US" dirty="0"/>
-              <a:t>3/16/2024</a:t>
+              <a:t>3/23/2024</a:t>
             </a:fld>
             <a:endParaRPr lang="en-US" dirty="0"/>
           </a:p>
@@ -760,7 +760,7 @@
           <a:p>
             <a:fld id="{4509A250-FF31-4206-8172-F9D3106AACB1}" type="datetimeFigureOut">
               <a:rPr lang="en-US" dirty="0"/>
-              <a:t>3/16/2024</a:t>
+              <a:t>3/23/2024</a:t>
             </a:fld>
             <a:endParaRPr lang="en-US" dirty="0"/>
           </a:p>
@@ -1028,7 +1028,7 @@
           <a:p>
             <a:fld id="{4509A250-FF31-4206-8172-F9D3106AACB1}" type="datetimeFigureOut">
               <a:rPr lang="en-US" dirty="0"/>
-              <a:t>3/16/2024</a:t>
+              <a:t>3/23/2024</a:t>
             </a:fld>
             <a:endParaRPr lang="en-US" dirty="0"/>
           </a:p>
@@ -1364,7 +1364,7 @@
           <a:p>
             <a:fld id="{4509A250-FF31-4206-8172-F9D3106AACB1}" type="datetimeFigureOut">
               <a:rPr lang="en-US" dirty="0"/>
-              <a:t>3/16/2024</a:t>
+              <a:t>3/23/2024</a:t>
             </a:fld>
             <a:endParaRPr lang="en-US" dirty="0"/>
           </a:p>
@@ -1982,7 +1982,7 @@
           <a:p>
             <a:fld id="{4509A250-FF31-4206-8172-F9D3106AACB1}" type="datetimeFigureOut">
               <a:rPr lang="en-US" dirty="0"/>
-              <a:t>3/16/2024</a:t>
+              <a:t>3/23/2024</a:t>
             </a:fld>
             <a:endParaRPr lang="en-US" dirty="0"/>
           </a:p>
@@ -2837,7 +2837,7 @@
           <a:p>
             <a:fld id="{4509A250-FF31-4206-8172-F9D3106AACB1}" type="datetimeFigureOut">
               <a:rPr lang="en-US" dirty="0"/>
-              <a:t>3/16/2024</a:t>
+              <a:t>3/23/2024</a:t>
             </a:fld>
             <a:endParaRPr lang="en-US" dirty="0"/>
           </a:p>
@@ -3002,7 +3002,7 @@
           <a:p>
             <a:fld id="{4509A250-FF31-4206-8172-F9D3106AACB1}" type="datetimeFigureOut">
               <a:rPr lang="en-US" dirty="0"/>
-              <a:t>3/16/2024</a:t>
+              <a:t>3/23/2024</a:t>
             </a:fld>
             <a:endParaRPr lang="en-US" dirty="0"/>
           </a:p>
@@ -3177,7 +3177,7 @@
           <a:p>
             <a:fld id="{4509A250-FF31-4206-8172-F9D3106AACB1}" type="datetimeFigureOut">
               <a:rPr lang="en-US" dirty="0"/>
-              <a:t>3/16/2024</a:t>
+              <a:t>3/23/2024</a:t>
             </a:fld>
             <a:endParaRPr lang="en-US" dirty="0"/>
           </a:p>
@@ -3342,7 +3342,7 @@
           <a:p>
             <a:fld id="{4509A250-FF31-4206-8172-F9D3106AACB1}" type="datetimeFigureOut">
               <a:rPr lang="en-US" dirty="0"/>
-              <a:t>3/16/2024</a:t>
+              <a:t>3/23/2024</a:t>
             </a:fld>
             <a:endParaRPr lang="en-US" dirty="0"/>
           </a:p>
@@ -3584,7 +3584,7 @@
           <a:p>
             <a:fld id="{9796027F-7875-4030-9381-8BD8C4F21935}" type="datetimeFigureOut">
               <a:rPr lang="en-US" dirty="0"/>
-              <a:t>3/16/2024</a:t>
+              <a:t>3/23/2024</a:t>
             </a:fld>
             <a:endParaRPr lang="en-US" dirty="0"/>
           </a:p>
@@ -3871,7 +3871,7 @@
           <a:p>
             <a:fld id="{9796027F-7875-4030-9381-8BD8C4F21935}" type="datetimeFigureOut">
               <a:rPr lang="en-US" dirty="0"/>
-              <a:t>3/16/2024</a:t>
+              <a:t>3/23/2024</a:t>
             </a:fld>
             <a:endParaRPr lang="en-US" dirty="0"/>
           </a:p>
@@ -4310,7 +4310,7 @@
           <a:p>
             <a:fld id="{9796027F-7875-4030-9381-8BD8C4F21935}" type="datetimeFigureOut">
               <a:rPr lang="en-US" dirty="0"/>
-              <a:t>3/16/2024</a:t>
+              <a:t>3/23/2024</a:t>
             </a:fld>
             <a:endParaRPr lang="en-US" dirty="0"/>
           </a:p>
@@ -4423,7 +4423,7 @@
           <a:p>
             <a:fld id="{4509A250-FF31-4206-8172-F9D3106AACB1}" type="datetimeFigureOut">
               <a:rPr lang="en-US" dirty="0"/>
-              <a:t>3/16/2024</a:t>
+              <a:t>3/23/2024</a:t>
             </a:fld>
             <a:endParaRPr lang="en-US" dirty="0"/>
           </a:p>
@@ -4513,7 +4513,7 @@
           <a:p>
             <a:fld id="{4509A250-FF31-4206-8172-F9D3106AACB1}" type="datetimeFigureOut">
               <a:rPr lang="en-US" dirty="0"/>
-              <a:t>3/16/2024</a:t>
+              <a:t>3/23/2024</a:t>
             </a:fld>
             <a:endParaRPr lang="en-US" dirty="0"/>
           </a:p>
@@ -4787,7 +4787,7 @@
           <a:p>
             <a:fld id="{4509A250-FF31-4206-8172-F9D3106AACB1}" type="datetimeFigureOut">
               <a:rPr lang="en-US" dirty="0"/>
-              <a:t>3/16/2024</a:t>
+              <a:t>3/23/2024</a:t>
             </a:fld>
             <a:endParaRPr lang="en-US" dirty="0"/>
           </a:p>
@@ -5057,7 +5057,7 @@
           <a:p>
             <a:fld id="{4509A250-FF31-4206-8172-F9D3106AACB1}" type="datetimeFigureOut">
               <a:rPr lang="en-US" dirty="0"/>
-              <a:t>3/16/2024</a:t>
+              <a:t>3/23/2024</a:t>
             </a:fld>
             <a:endParaRPr lang="en-US" dirty="0"/>
           </a:p>
@@ -5481,7 +5481,7 @@
           <a:p>
             <a:fld id="{4AAD347D-5ACD-4C99-B74B-A9C85AD731AF}" type="datetimeFigureOut">
               <a:rPr lang="en-US" dirty="0"/>
-              <a:t>3/16/2024</a:t>
+              <a:t>3/23/2024</a:t>
             </a:fld>
             <a:endParaRPr lang="en-US" dirty="0"/>
           </a:p>
@@ -6097,7 +6097,7 @@
         </p:nvSpPr>
         <p:spPr>
           <a:xfrm>
-            <a:off x="875211" y="2130580"/>
+            <a:off x="875211" y="2155988"/>
             <a:ext cx="10633166" cy="1047575"/>
           </a:xfrm>
           <a:prstGeom prst="rect">
@@ -6219,8 +6219,8 @@
         </p:nvSpPr>
         <p:spPr>
           <a:xfrm>
-            <a:off x="875211" y="4505824"/>
-            <a:ext cx="10633166" cy="565325"/>
+            <a:off x="875211" y="4505825"/>
+            <a:ext cx="10633166" cy="458062"/>
           </a:xfrm>
           <a:prstGeom prst="rect">
             <a:avLst/>
@@ -6330,131 +6330,7 @@
         <p:spPr>
           <a:xfrm>
             <a:off x="875211" y="953589"/>
-            <a:ext cx="10633166" cy="1004026"/>
-          </a:xfrm>
-          <a:prstGeom prst="rect">
-            <a:avLst/>
-          </a:prstGeom>
-        </p:spPr>
-        <p:txBody>
-          <a:bodyPr vert="horz" lIns="91440" tIns="45720" rIns="91440" bIns="45720" rtlCol="0" anchor="b">
-            <a:noAutofit/>
-          </a:bodyPr>
-          <a:lstStyle>
-            <a:lvl1pPr algn="l" defTabSz="457200" rtl="0" eaLnBrk="1" latinLnBrk="0" hangingPunct="1">
-              <a:spcBef>
-                <a:spcPct val="0"/>
-              </a:spcBef>
-              <a:buNone/>
-              <a:defRPr sz="7200" b="0" i="0" kern="1200">
-                <a:solidFill>
-                  <a:schemeClr val="tx2"/>
-                </a:solidFill>
-                <a:latin typeface="+mj-lt"/>
-                <a:ea typeface="+mj-ea"/>
-                <a:cs typeface="+mj-cs"/>
-              </a:defRPr>
-            </a:lvl1pPr>
-            <a:lvl2pPr eaLnBrk="1" hangingPunct="1">
-              <a:defRPr>
-                <a:solidFill>
-                  <a:schemeClr val="tx2"/>
-                </a:solidFill>
-              </a:defRPr>
-            </a:lvl2pPr>
-            <a:lvl3pPr eaLnBrk="1" hangingPunct="1">
-              <a:defRPr>
-                <a:solidFill>
-                  <a:schemeClr val="tx2"/>
-                </a:solidFill>
-              </a:defRPr>
-            </a:lvl3pPr>
-            <a:lvl4pPr eaLnBrk="1" hangingPunct="1">
-              <a:defRPr>
-                <a:solidFill>
-                  <a:schemeClr val="tx2"/>
-                </a:solidFill>
-              </a:defRPr>
-            </a:lvl4pPr>
-            <a:lvl5pPr eaLnBrk="1" hangingPunct="1">
-              <a:defRPr>
-                <a:solidFill>
-                  <a:schemeClr val="tx2"/>
-                </a:solidFill>
-              </a:defRPr>
-            </a:lvl5pPr>
-            <a:lvl6pPr eaLnBrk="1" hangingPunct="1">
-              <a:defRPr>
-                <a:solidFill>
-                  <a:schemeClr val="tx2"/>
-                </a:solidFill>
-              </a:defRPr>
-            </a:lvl6pPr>
-            <a:lvl7pPr eaLnBrk="1" hangingPunct="1">
-              <a:defRPr>
-                <a:solidFill>
-                  <a:schemeClr val="tx2"/>
-                </a:solidFill>
-              </a:defRPr>
-            </a:lvl7pPr>
-            <a:lvl8pPr eaLnBrk="1" hangingPunct="1">
-              <a:defRPr>
-                <a:solidFill>
-                  <a:schemeClr val="tx2"/>
-                </a:solidFill>
-              </a:defRPr>
-            </a:lvl8pPr>
-            <a:lvl9pPr eaLnBrk="1" hangingPunct="1">
-              <a:defRPr>
-                <a:solidFill>
-                  <a:schemeClr val="tx2"/>
-                </a:solidFill>
-              </a:defRPr>
-            </a:lvl9pPr>
-          </a:lstStyle>
-          <a:p>
-            <a:pPr marL="514350" indent="-514350">
-              <a:buFont typeface="+mj-lt"/>
-              <a:buAutoNum type="arabicPeriod"/>
-            </a:pPr>
-            <a:r>
-              <a:rPr lang="en-US" sz="2900" dirty="0" smtClean="0">
-                <a:latin typeface="Arial Black" panose="020B0A04020102020204" pitchFamily="34" charset="0"/>
-              </a:rPr>
-              <a:t>REQUESTOR TO FO FILL-UP TEMPLATE </a:t>
-            </a:r>
-          </a:p>
-          <a:p>
-            <a:r>
-              <a:rPr lang="en-US" sz="2900" dirty="0">
-                <a:latin typeface="Arial Black" panose="020B0A04020102020204" pitchFamily="34" charset="0"/>
-              </a:rPr>
-              <a:t>	</a:t>
-            </a:r>
-            <a:r>
-              <a:rPr lang="en-US" sz="2900" dirty="0" smtClean="0">
-                <a:latin typeface="Arial Black" panose="020B0A04020102020204" pitchFamily="34" charset="0"/>
-              </a:rPr>
-              <a:t>(TO SAN PABLO – 23DB - 0900)</a:t>
-            </a:r>
-            <a:endParaRPr lang="en-US" sz="2900" dirty="0">
-              <a:latin typeface="Arial Black" panose="020B0A04020102020204" pitchFamily="34" charset="0"/>
-            </a:endParaRPr>
-          </a:p>
-        </p:txBody>
-      </p:sp>
-      <p:sp>
-        <p:nvSpPr>
-          <p:cNvPr id="10" name="Title 1"/>
-          <p:cNvSpPr txBox="1">
-            <a:spLocks/>
-          </p:cNvSpPr>
-          <p:nvPr/>
-        </p:nvSpPr>
-        <p:spPr>
-          <a:xfrm>
-            <a:off x="875211" y="3351120"/>
-            <a:ext cx="10633166" cy="981738"/>
+            <a:ext cx="10633166" cy="486372"/>
           </a:xfrm>
           <a:prstGeom prst="rect">
             <a:avLst/>
@@ -6539,29 +6415,128 @@
           <a:p>
             <a:pPr marL="514350" indent="-514350">
               <a:buFont typeface="+mj-lt"/>
-              <a:buAutoNum type="arabicPeriod" startAt="3"/>
+              <a:buAutoNum type="arabicPeriod"/>
             </a:pPr>
             <a:r>
               <a:rPr lang="en-US" sz="2900" dirty="0" smtClean="0">
                 <a:latin typeface="Arial Black" panose="020B0A04020102020204" pitchFamily="34" charset="0"/>
               </a:rPr>
-              <a:t>JAI WILL SEND BACK ITR TEMPLATE </a:t>
-            </a:r>
-          </a:p>
-          <a:p>
+              <a:t>REQUESTOR TO FILL-UP TEMPLATE</a:t>
+            </a:r>
+          </a:p>
+        </p:txBody>
+      </p:sp>
+      <p:sp>
+        <p:nvSpPr>
+          <p:cNvPr id="10" name="Title 1"/>
+          <p:cNvSpPr txBox="1">
+            <a:spLocks/>
+          </p:cNvSpPr>
+          <p:nvPr/>
+        </p:nvSpPr>
+        <p:spPr>
+          <a:xfrm>
+            <a:off x="875211" y="3337983"/>
+            <a:ext cx="10633166" cy="455630"/>
+          </a:xfrm>
+          <a:prstGeom prst="rect">
+            <a:avLst/>
+          </a:prstGeom>
+        </p:spPr>
+        <p:txBody>
+          <a:bodyPr vert="horz" lIns="91440" tIns="45720" rIns="91440" bIns="45720" rtlCol="0" anchor="t">
+            <a:noAutofit/>
+          </a:bodyPr>
+          <a:lstStyle>
+            <a:lvl1pPr algn="l" defTabSz="457200" rtl="0" eaLnBrk="1" latinLnBrk="0" hangingPunct="1">
+              <a:spcBef>
+                <a:spcPct val="0"/>
+              </a:spcBef>
+              <a:buNone/>
+              <a:defRPr sz="7200" b="0" i="0" kern="1200">
+                <a:solidFill>
+                  <a:schemeClr val="tx2"/>
+                </a:solidFill>
+                <a:latin typeface="+mj-lt"/>
+                <a:ea typeface="+mj-ea"/>
+                <a:cs typeface="+mj-cs"/>
+              </a:defRPr>
+            </a:lvl1pPr>
+            <a:lvl2pPr eaLnBrk="1" hangingPunct="1">
+              <a:defRPr>
+                <a:solidFill>
+                  <a:schemeClr val="tx2"/>
+                </a:solidFill>
+              </a:defRPr>
+            </a:lvl2pPr>
+            <a:lvl3pPr eaLnBrk="1" hangingPunct="1">
+              <a:defRPr>
+                <a:solidFill>
+                  <a:schemeClr val="tx2"/>
+                </a:solidFill>
+              </a:defRPr>
+            </a:lvl3pPr>
+            <a:lvl4pPr eaLnBrk="1" hangingPunct="1">
+              <a:defRPr>
+                <a:solidFill>
+                  <a:schemeClr val="tx2"/>
+                </a:solidFill>
+              </a:defRPr>
+            </a:lvl4pPr>
+            <a:lvl5pPr eaLnBrk="1" hangingPunct="1">
+              <a:defRPr>
+                <a:solidFill>
+                  <a:schemeClr val="tx2"/>
+                </a:solidFill>
+              </a:defRPr>
+            </a:lvl5pPr>
+            <a:lvl6pPr eaLnBrk="1" hangingPunct="1">
+              <a:defRPr>
+                <a:solidFill>
+                  <a:schemeClr val="tx2"/>
+                </a:solidFill>
+              </a:defRPr>
+            </a:lvl6pPr>
+            <a:lvl7pPr eaLnBrk="1" hangingPunct="1">
+              <a:defRPr>
+                <a:solidFill>
+                  <a:schemeClr val="tx2"/>
+                </a:solidFill>
+              </a:defRPr>
+            </a:lvl7pPr>
+            <a:lvl8pPr eaLnBrk="1" hangingPunct="1">
+              <a:defRPr>
+                <a:solidFill>
+                  <a:schemeClr val="tx2"/>
+                </a:solidFill>
+              </a:defRPr>
+            </a:lvl8pPr>
+            <a:lvl9pPr eaLnBrk="1" hangingPunct="1">
+              <a:defRPr>
+                <a:solidFill>
+                  <a:schemeClr val="tx2"/>
+                </a:solidFill>
+              </a:defRPr>
+            </a:lvl9pPr>
+          </a:lstStyle>
+          <a:p>
+            <a:pPr marL="514350" indent="-514350">
+              <a:buFont typeface="+mj-lt"/>
+              <a:buAutoNum type="arabicPeriod" startAt="3"/>
+            </a:pPr>
+            <a:r>
+              <a:rPr lang="en-US" sz="2900" dirty="0" smtClean="0">
+                <a:latin typeface="Arial Black" panose="020B0A04020102020204" pitchFamily="34" charset="0"/>
+              </a:rPr>
+              <a:t>JAI WILL SEND BACK </a:t>
+            </a:r>
             <a:r>
               <a:rPr lang="en-US" sz="2900" dirty="0">
                 <a:latin typeface="Arial Black" panose="020B0A04020102020204" pitchFamily="34" charset="0"/>
               </a:rPr>
-              <a:t> </a:t>
-            </a:r>
-            <a:r>
-              <a:rPr lang="en-US" sz="2900" dirty="0" smtClean="0">
-                <a:latin typeface="Arial Black" panose="020B0A04020102020204" pitchFamily="34" charset="0"/>
-              </a:rPr>
-              <a:t>   (W/ ITEM CODE | DR PRICE)</a:t>
-            </a:r>
-            <a:endParaRPr lang="en-US" sz="2900" dirty="0">
+              <a:t>ITR TEMPLATE</a:t>
+            </a:r>
+            <a:endParaRPr lang="en-US" sz="2900" dirty="0" smtClean="0">
               <a:latin typeface="Arial Black" panose="020B0A04020102020204" pitchFamily="34" charset="0"/>
             </a:endParaRPr>
           </a:p>
@@ -6786,6 +6761,224 @@
             <a:endParaRPr lang="en-US" sz="2900" dirty="0" smtClean="0">
               <a:latin typeface="Arial Black" panose="020B0A04020102020204" pitchFamily="34" charset="0"/>
             </a:endParaRPr>
+          </a:p>
+        </p:txBody>
+      </p:sp>
+      <p:sp>
+        <p:nvSpPr>
+          <p:cNvPr id="8" name="Title 1"/>
+          <p:cNvSpPr txBox="1">
+            <a:spLocks/>
+          </p:cNvSpPr>
+          <p:nvPr/>
+        </p:nvSpPr>
+        <p:spPr>
+          <a:xfrm>
+            <a:off x="1397725" y="1443751"/>
+            <a:ext cx="10633166" cy="447187"/>
+          </a:xfrm>
+          <a:prstGeom prst="rect">
+            <a:avLst/>
+          </a:prstGeom>
+        </p:spPr>
+        <p:txBody>
+          <a:bodyPr vert="horz" lIns="91440" tIns="45720" rIns="91440" bIns="45720" rtlCol="0" anchor="t">
+            <a:noAutofit/>
+          </a:bodyPr>
+          <a:lstStyle>
+            <a:lvl1pPr algn="l" defTabSz="457200" rtl="0" eaLnBrk="1" latinLnBrk="0" hangingPunct="1">
+              <a:spcBef>
+                <a:spcPct val="0"/>
+              </a:spcBef>
+              <a:buNone/>
+              <a:defRPr sz="7200" b="0" i="0" kern="1200">
+                <a:solidFill>
+                  <a:schemeClr val="tx2"/>
+                </a:solidFill>
+                <a:latin typeface="+mj-lt"/>
+                <a:ea typeface="+mj-ea"/>
+                <a:cs typeface="+mj-cs"/>
+              </a:defRPr>
+            </a:lvl1pPr>
+            <a:lvl2pPr eaLnBrk="1" hangingPunct="1">
+              <a:defRPr>
+                <a:solidFill>
+                  <a:schemeClr val="tx2"/>
+                </a:solidFill>
+              </a:defRPr>
+            </a:lvl2pPr>
+            <a:lvl3pPr eaLnBrk="1" hangingPunct="1">
+              <a:defRPr>
+                <a:solidFill>
+                  <a:schemeClr val="tx2"/>
+                </a:solidFill>
+              </a:defRPr>
+            </a:lvl3pPr>
+            <a:lvl4pPr eaLnBrk="1" hangingPunct="1">
+              <a:defRPr>
+                <a:solidFill>
+                  <a:schemeClr val="tx2"/>
+                </a:solidFill>
+              </a:defRPr>
+            </a:lvl4pPr>
+            <a:lvl5pPr eaLnBrk="1" hangingPunct="1">
+              <a:defRPr>
+                <a:solidFill>
+                  <a:schemeClr val="tx2"/>
+                </a:solidFill>
+              </a:defRPr>
+            </a:lvl5pPr>
+            <a:lvl6pPr eaLnBrk="1" hangingPunct="1">
+              <a:defRPr>
+                <a:solidFill>
+                  <a:schemeClr val="tx2"/>
+                </a:solidFill>
+              </a:defRPr>
+            </a:lvl6pPr>
+            <a:lvl7pPr eaLnBrk="1" hangingPunct="1">
+              <a:defRPr>
+                <a:solidFill>
+                  <a:schemeClr val="tx2"/>
+                </a:solidFill>
+              </a:defRPr>
+            </a:lvl7pPr>
+            <a:lvl8pPr eaLnBrk="1" hangingPunct="1">
+              <a:defRPr>
+                <a:solidFill>
+                  <a:schemeClr val="tx2"/>
+                </a:solidFill>
+              </a:defRPr>
+            </a:lvl8pPr>
+            <a:lvl9pPr eaLnBrk="1" hangingPunct="1">
+              <a:defRPr>
+                <a:solidFill>
+                  <a:schemeClr val="tx2"/>
+                </a:solidFill>
+              </a:defRPr>
+            </a:lvl9pPr>
+          </a:lstStyle>
+          <a:p>
+            <a:r>
+              <a:rPr lang="en-US" sz="2900" smtClean="0">
+                <a:latin typeface="Arial Black" panose="020B0A04020102020204" pitchFamily="34" charset="0"/>
+              </a:rPr>
+              <a:t>EX: (TO </a:t>
+            </a:r>
+            <a:r>
+              <a:rPr lang="en-US" sz="2900" dirty="0">
+                <a:latin typeface="Arial Black" panose="020B0A04020102020204" pitchFamily="34" charset="0"/>
+              </a:rPr>
+              <a:t>– SAN PABLO – 23DB - 0900)</a:t>
+            </a:r>
+          </a:p>
+        </p:txBody>
+      </p:sp>
+      <p:sp>
+        <p:nvSpPr>
+          <p:cNvPr id="14" name="Title 1"/>
+          <p:cNvSpPr txBox="1">
+            <a:spLocks/>
+          </p:cNvSpPr>
+          <p:nvPr/>
+        </p:nvSpPr>
+        <p:spPr>
+          <a:xfrm>
+            <a:off x="770707" y="3797403"/>
+            <a:ext cx="10633166" cy="443372"/>
+          </a:xfrm>
+          <a:prstGeom prst="rect">
+            <a:avLst/>
+          </a:prstGeom>
+        </p:spPr>
+        <p:txBody>
+          <a:bodyPr vert="horz" lIns="91440" tIns="45720" rIns="91440" bIns="45720" rtlCol="0" anchor="t">
+            <a:noAutofit/>
+          </a:bodyPr>
+          <a:lstStyle>
+            <a:lvl1pPr algn="l" defTabSz="457200" rtl="0" eaLnBrk="1" latinLnBrk="0" hangingPunct="1">
+              <a:spcBef>
+                <a:spcPct val="0"/>
+              </a:spcBef>
+              <a:buNone/>
+              <a:defRPr sz="7200" b="0" i="0" kern="1200">
+                <a:solidFill>
+                  <a:schemeClr val="tx2"/>
+                </a:solidFill>
+                <a:latin typeface="+mj-lt"/>
+                <a:ea typeface="+mj-ea"/>
+                <a:cs typeface="+mj-cs"/>
+              </a:defRPr>
+            </a:lvl1pPr>
+            <a:lvl2pPr eaLnBrk="1" hangingPunct="1">
+              <a:defRPr>
+                <a:solidFill>
+                  <a:schemeClr val="tx2"/>
+                </a:solidFill>
+              </a:defRPr>
+            </a:lvl2pPr>
+            <a:lvl3pPr eaLnBrk="1" hangingPunct="1">
+              <a:defRPr>
+                <a:solidFill>
+                  <a:schemeClr val="tx2"/>
+                </a:solidFill>
+              </a:defRPr>
+            </a:lvl3pPr>
+            <a:lvl4pPr eaLnBrk="1" hangingPunct="1">
+              <a:defRPr>
+                <a:solidFill>
+                  <a:schemeClr val="tx2"/>
+                </a:solidFill>
+              </a:defRPr>
+            </a:lvl4pPr>
+            <a:lvl5pPr eaLnBrk="1" hangingPunct="1">
+              <a:defRPr>
+                <a:solidFill>
+                  <a:schemeClr val="tx2"/>
+                </a:solidFill>
+              </a:defRPr>
+            </a:lvl5pPr>
+            <a:lvl6pPr eaLnBrk="1" hangingPunct="1">
+              <a:defRPr>
+                <a:solidFill>
+                  <a:schemeClr val="tx2"/>
+                </a:solidFill>
+              </a:defRPr>
+            </a:lvl6pPr>
+            <a:lvl7pPr eaLnBrk="1" hangingPunct="1">
+              <a:defRPr>
+                <a:solidFill>
+                  <a:schemeClr val="tx2"/>
+                </a:solidFill>
+              </a:defRPr>
+            </a:lvl7pPr>
+            <a:lvl8pPr eaLnBrk="1" hangingPunct="1">
+              <a:defRPr>
+                <a:solidFill>
+                  <a:schemeClr val="tx2"/>
+                </a:solidFill>
+              </a:defRPr>
+            </a:lvl8pPr>
+            <a:lvl9pPr eaLnBrk="1" hangingPunct="1">
+              <a:defRPr>
+                <a:solidFill>
+                  <a:schemeClr val="tx2"/>
+                </a:solidFill>
+              </a:defRPr>
+            </a:lvl9pPr>
+          </a:lstStyle>
+          <a:p>
+            <a:r>
+              <a:rPr lang="en-US" sz="2900" dirty="0" smtClean="0">
+                <a:latin typeface="Arial Black" panose="020B0A04020102020204" pitchFamily="34" charset="0"/>
+              </a:rPr>
+              <a:t>     (W</a:t>
+            </a:r>
+            <a:r>
+              <a:rPr lang="en-US" sz="2900" dirty="0">
+                <a:latin typeface="Arial Black" panose="020B0A04020102020204" pitchFamily="34" charset="0"/>
+              </a:rPr>
+              <a:t>/ ITEM CODE | DR PRICE)</a:t>
+            </a:r>
           </a:p>
         </p:txBody>
       </p:sp>
@@ -6927,7 +7120,7 @@
                                           </p:stCondLst>
                                         </p:cTn>
                                         <p:tgtEl>
-                                          <p:spTgt spid="3"/>
+                                          <p:spTgt spid="8"/>
                                         </p:tgtEl>
                                         <p:attrNameLst>
                                           <p:attrName>style.visibility</p:attrName>
@@ -6941,7 +7134,7 @@
                                       <p:cBhvr additive="base">
                                         <p:cTn id="13" dur="500" fill="hold"/>
                                         <p:tgtEl>
-                                          <p:spTgt spid="3"/>
+                                          <p:spTgt spid="8"/>
                                         </p:tgtEl>
                                         <p:attrNameLst>
                                           <p:attrName>ppt_x</p:attrName>
@@ -6964,7 +7157,7 @@
                                       <p:cBhvr additive="base">
                                         <p:cTn id="14" dur="500" fill="hold"/>
                                         <p:tgtEl>
-                                          <p:spTgt spid="3"/>
+                                          <p:spTgt spid="8"/>
                                         </p:tgtEl>
                                         <p:attrNameLst>
                                           <p:attrName>ppt_y</p:attrName>
@@ -7018,7 +7211,7 @@
                                           </p:stCondLst>
                                         </p:cTn>
                                         <p:tgtEl>
-                                          <p:spTgt spid="10"/>
+                                          <p:spTgt spid="3"/>
                                         </p:tgtEl>
                                         <p:attrNameLst>
                                           <p:attrName>style.visibility</p:attrName>
@@ -7032,7 +7225,7 @@
                                       <p:cBhvr additive="base">
                                         <p:cTn id="19" dur="500" fill="hold"/>
                                         <p:tgtEl>
-                                          <p:spTgt spid="10"/>
+                                          <p:spTgt spid="3"/>
                                         </p:tgtEl>
                                         <p:attrNameLst>
                                           <p:attrName>ppt_x</p:attrName>
@@ -7055,7 +7248,7 @@
                                       <p:cBhvr additive="base">
                                         <p:cTn id="20" dur="500" fill="hold"/>
                                         <p:tgtEl>
-                                          <p:spTgt spid="10"/>
+                                          <p:spTgt spid="3"/>
                                         </p:tgtEl>
                                         <p:attrNameLst>
                                           <p:attrName>ppt_y</p:attrName>
@@ -7109,7 +7302,7 @@
                                           </p:stCondLst>
                                         </p:cTn>
                                         <p:tgtEl>
-                                          <p:spTgt spid="7"/>
+                                          <p:spTgt spid="10"/>
                                         </p:tgtEl>
                                         <p:attrNameLst>
                                           <p:attrName>style.visibility</p:attrName>
@@ -7123,7 +7316,7 @@
                                       <p:cBhvr additive="base">
                                         <p:cTn id="25" dur="500" fill="hold"/>
                                         <p:tgtEl>
-                                          <p:spTgt spid="7"/>
+                                          <p:spTgt spid="10"/>
                                         </p:tgtEl>
                                         <p:attrNameLst>
                                           <p:attrName>ppt_x</p:attrName>
@@ -7146,7 +7339,7 @@
                                       <p:cBhvr additive="base">
                                         <p:cTn id="26" dur="500" fill="hold"/>
                                         <p:tgtEl>
-                                          <p:spTgt spid="7"/>
+                                          <p:spTgt spid="10"/>
                                         </p:tgtEl>
                                         <p:attrNameLst>
                                           <p:attrName>ppt_y</p:attrName>
@@ -7200,7 +7393,7 @@
                                           </p:stCondLst>
                                         </p:cTn>
                                         <p:tgtEl>
-                                          <p:spTgt spid="11"/>
+                                          <p:spTgt spid="14"/>
                                         </p:tgtEl>
                                         <p:attrNameLst>
                                           <p:attrName>style.visibility</p:attrName>
@@ -7214,7 +7407,7 @@
                                       <p:cBhvr additive="base">
                                         <p:cTn id="31" dur="500" fill="hold"/>
                                         <p:tgtEl>
-                                          <p:spTgt spid="11"/>
+                                          <p:spTgt spid="14"/>
                                         </p:tgtEl>
                                         <p:attrNameLst>
                                           <p:attrName>ppt_x</p:attrName>
@@ -7237,7 +7430,7 @@
                                       <p:cBhvr additive="base">
                                         <p:cTn id="32" dur="500" fill="hold"/>
                                         <p:tgtEl>
-                                          <p:spTgt spid="11"/>
+                                          <p:spTgt spid="14"/>
                                         </p:tgtEl>
                                         <p:attrNameLst>
                                           <p:attrName>ppt_y</p:attrName>
@@ -7291,6 +7484,188 @@
                                           </p:stCondLst>
                                         </p:cTn>
                                         <p:tgtEl>
+                                          <p:spTgt spid="7"/>
+                                        </p:tgtEl>
+                                        <p:attrNameLst>
+                                          <p:attrName>style.visibility</p:attrName>
+                                        </p:attrNameLst>
+                                      </p:cBhvr>
+                                      <p:to>
+                                        <p:strVal val="visible"/>
+                                      </p:to>
+                                    </p:set>
+                                    <p:anim calcmode="lin" valueType="num">
+                                      <p:cBhvr additive="base">
+                                        <p:cTn id="37" dur="500" fill="hold"/>
+                                        <p:tgtEl>
+                                          <p:spTgt spid="7"/>
+                                        </p:tgtEl>
+                                        <p:attrNameLst>
+                                          <p:attrName>ppt_x</p:attrName>
+                                        </p:attrNameLst>
+                                      </p:cBhvr>
+                                      <p:tavLst>
+                                        <p:tav tm="0">
+                                          <p:val>
+                                            <p:strVal val="0-#ppt_w/2"/>
+                                          </p:val>
+                                        </p:tav>
+                                        <p:tav tm="100000">
+                                          <p:val>
+                                            <p:strVal val="#ppt_x"/>
+                                          </p:val>
+                                        </p:tav>
+                                      </p:tavLst>
+                                    </p:anim>
+                                    <p:anim calcmode="lin" valueType="num">
+                                      <p:cBhvr additive="base">
+                                        <p:cTn id="38" dur="500" fill="hold"/>
+                                        <p:tgtEl>
+                                          <p:spTgt spid="7"/>
+                                        </p:tgtEl>
+                                        <p:attrNameLst>
+                                          <p:attrName>ppt_y</p:attrName>
+                                        </p:attrNameLst>
+                                      </p:cBhvr>
+                                      <p:tavLst>
+                                        <p:tav tm="0">
+                                          <p:val>
+                                            <p:strVal val="#ppt_y"/>
+                                          </p:val>
+                                        </p:tav>
+                                        <p:tav tm="100000">
+                                          <p:val>
+                                            <p:strVal val="#ppt_y"/>
+                                          </p:val>
+                                        </p:tav>
+                                      </p:tavLst>
+                                    </p:anim>
+                                  </p:childTnLst>
+                                </p:cTn>
+                              </p:par>
+                            </p:childTnLst>
+                          </p:cTn>
+                        </p:par>
+                      </p:childTnLst>
+                    </p:cTn>
+                  </p:par>
+                  <p:par>
+                    <p:cTn id="39" fill="hold">
+                      <p:stCondLst>
+                        <p:cond delay="indefinite"/>
+                      </p:stCondLst>
+                      <p:childTnLst>
+                        <p:par>
+                          <p:cTn id="40" fill="hold">
+                            <p:stCondLst>
+                              <p:cond delay="0"/>
+                            </p:stCondLst>
+                            <p:childTnLst>
+                              <p:par>
+                                <p:cTn id="41" presetID="2" presetClass="entr" presetSubtype="8" fill="hold" grpId="0" nodeType="clickEffect">
+                                  <p:stCondLst>
+                                    <p:cond delay="0"/>
+                                  </p:stCondLst>
+                                  <p:childTnLst>
+                                    <p:set>
+                                      <p:cBhvr>
+                                        <p:cTn id="42" dur="1" fill="hold">
+                                          <p:stCondLst>
+                                            <p:cond delay="0"/>
+                                          </p:stCondLst>
+                                        </p:cTn>
+                                        <p:tgtEl>
+                                          <p:spTgt spid="11"/>
+                                        </p:tgtEl>
+                                        <p:attrNameLst>
+                                          <p:attrName>style.visibility</p:attrName>
+                                        </p:attrNameLst>
+                                      </p:cBhvr>
+                                      <p:to>
+                                        <p:strVal val="visible"/>
+                                      </p:to>
+                                    </p:set>
+                                    <p:anim calcmode="lin" valueType="num">
+                                      <p:cBhvr additive="base">
+                                        <p:cTn id="43" dur="500" fill="hold"/>
+                                        <p:tgtEl>
+                                          <p:spTgt spid="11"/>
+                                        </p:tgtEl>
+                                        <p:attrNameLst>
+                                          <p:attrName>ppt_x</p:attrName>
+                                        </p:attrNameLst>
+                                      </p:cBhvr>
+                                      <p:tavLst>
+                                        <p:tav tm="0">
+                                          <p:val>
+                                            <p:strVal val="0-#ppt_w/2"/>
+                                          </p:val>
+                                        </p:tav>
+                                        <p:tav tm="100000">
+                                          <p:val>
+                                            <p:strVal val="#ppt_x"/>
+                                          </p:val>
+                                        </p:tav>
+                                      </p:tavLst>
+                                    </p:anim>
+                                    <p:anim calcmode="lin" valueType="num">
+                                      <p:cBhvr additive="base">
+                                        <p:cTn id="44" dur="500" fill="hold"/>
+                                        <p:tgtEl>
+                                          <p:spTgt spid="11"/>
+                                        </p:tgtEl>
+                                        <p:attrNameLst>
+                                          <p:attrName>ppt_y</p:attrName>
+                                        </p:attrNameLst>
+                                      </p:cBhvr>
+                                      <p:tavLst>
+                                        <p:tav tm="0">
+                                          <p:val>
+                                            <p:strVal val="#ppt_y"/>
+                                          </p:val>
+                                        </p:tav>
+                                        <p:tav tm="100000">
+                                          <p:val>
+                                            <p:strVal val="#ppt_y"/>
+                                          </p:val>
+                                        </p:tav>
+                                      </p:tavLst>
+                                    </p:anim>
+                                  </p:childTnLst>
+                                </p:cTn>
+                              </p:par>
+                            </p:childTnLst>
+                          </p:cTn>
+                        </p:par>
+                      </p:childTnLst>
+                    </p:cTn>
+                  </p:par>
+                  <p:par>
+                    <p:cTn id="45" fill="hold">
+                      <p:stCondLst>
+                        <p:cond delay="indefinite"/>
+                      </p:stCondLst>
+                      <p:childTnLst>
+                        <p:par>
+                          <p:cTn id="46" fill="hold">
+                            <p:stCondLst>
+                              <p:cond delay="0"/>
+                            </p:stCondLst>
+                            <p:childTnLst>
+                              <p:par>
+                                <p:cTn id="47" presetID="2" presetClass="entr" presetSubtype="8" fill="hold" grpId="0" nodeType="clickEffect">
+                                  <p:stCondLst>
+                                    <p:cond delay="0"/>
+                                  </p:stCondLst>
+                                  <p:childTnLst>
+                                    <p:set>
+                                      <p:cBhvr>
+                                        <p:cTn id="48" dur="1" fill="hold">
+                                          <p:stCondLst>
+                                            <p:cond delay="0"/>
+                                          </p:stCondLst>
+                                        </p:cTn>
+                                        <p:tgtEl>
                                           <p:spTgt spid="12"/>
                                         </p:tgtEl>
                                         <p:attrNameLst>
@@ -7303,7 +7678,7 @@
                                     </p:set>
                                     <p:anim calcmode="lin" valueType="num">
                                       <p:cBhvr additive="base">
-                                        <p:cTn id="37" dur="500" fill="hold"/>
+                                        <p:cTn id="49" dur="500" fill="hold"/>
                                         <p:tgtEl>
                                           <p:spTgt spid="12"/>
                                         </p:tgtEl>
@@ -7326,7 +7701,7 @@
                                     </p:anim>
                                     <p:anim calcmode="lin" valueType="num">
                                       <p:cBhvr additive="base">
-                                        <p:cTn id="38" dur="500" fill="hold"/>
+                                        <p:cTn id="50" dur="500" fill="hold"/>
                                         <p:tgtEl>
                                           <p:spTgt spid="12"/>
                                         </p:tgtEl>
@@ -7384,6 +7759,8 @@
       <p:bldP spid="10" grpId="0"/>
       <p:bldP spid="11" grpId="0"/>
       <p:bldP spid="12" grpId="0"/>
+      <p:bldP spid="8" grpId="0"/>
+      <p:bldP spid="14" grpId="0"/>
     </p:bldLst>
   </p:timing>
 </p:sld>
@@ -7416,7 +7793,7 @@
         </p:nvSpPr>
         <p:spPr>
           <a:xfrm>
-            <a:off x="875211" y="2260301"/>
+            <a:off x="875211" y="1737786"/>
             <a:ext cx="10633166" cy="614716"/>
           </a:xfrm>
           <a:prstGeom prst="rect">
@@ -7526,7 +7903,7 @@
         </p:nvSpPr>
         <p:spPr>
           <a:xfrm>
-            <a:off x="875211" y="4365046"/>
+            <a:off x="875211" y="3842531"/>
             <a:ext cx="10633166" cy="565325"/>
           </a:xfrm>
           <a:prstGeom prst="rect">
@@ -7636,7 +8013,7 @@
         </p:nvSpPr>
         <p:spPr>
           <a:xfrm>
-            <a:off x="875211" y="1345474"/>
+            <a:off x="875211" y="822959"/>
             <a:ext cx="10633166" cy="677456"/>
           </a:xfrm>
           <a:prstGeom prst="rect">
@@ -7728,7 +8105,7 @@
               <a:rPr lang="en-US" sz="3200" dirty="0" smtClean="0">
                 <a:latin typeface="Arial Black" panose="020B0A04020102020204" pitchFamily="34" charset="0"/>
               </a:rPr>
-              <a:t>JAI CREATE DR</a:t>
+              <a:t>JAI TO CREATE DR</a:t>
             </a:r>
             <a:endParaRPr lang="en-US" sz="3200" dirty="0">
               <a:latin typeface="Arial Black" panose="020B0A04020102020204" pitchFamily="34" charset="0"/>
@@ -7746,7 +8123,7 @@
         </p:nvSpPr>
         <p:spPr>
           <a:xfrm>
-            <a:off x="875211" y="3112388"/>
+            <a:off x="875211" y="2589873"/>
             <a:ext cx="10633166" cy="1015287"/>
           </a:xfrm>
           <a:prstGeom prst="rect">
@@ -7838,7 +8215,25 @@
               <a:rPr lang="en-US" sz="3200" dirty="0" smtClean="0">
                 <a:latin typeface="Arial Black" panose="020B0A04020102020204" pitchFamily="34" charset="0"/>
               </a:rPr>
-              <a:t>FOR TO MANILA BAY, SCAN ITEMS RECORD IN EXCEL FILES</a:t>
+              <a:t>FOR TO – MANILA BAY, SCAN </a:t>
+            </a:r>
+            <a:r>
+              <a:rPr lang="en-US" sz="3200" smtClean="0">
+                <a:latin typeface="Arial Black" panose="020B0A04020102020204" pitchFamily="34" charset="0"/>
+              </a:rPr>
+              <a:t>ITEMS </a:t>
+            </a:r>
+            <a:r>
+              <a:rPr lang="en-US" sz="3200" smtClean="0">
+                <a:latin typeface="Arial Black" panose="020B0A04020102020204" pitchFamily="34" charset="0"/>
+              </a:rPr>
+              <a:t>RECEIVE </a:t>
+            </a:r>
+            <a:r>
+              <a:rPr lang="en-US" sz="3200" dirty="0" smtClean="0">
+                <a:latin typeface="Arial Black" panose="020B0A04020102020204" pitchFamily="34" charset="0"/>
+              </a:rPr>
+              <a:t>IN EXCEL FILES</a:t>
             </a:r>
             <a:endParaRPr lang="en-US" sz="3200" dirty="0">
               <a:latin typeface="Arial Black" panose="020B0A04020102020204" pitchFamily="34" charset="0"/>
@@ -7856,7 +8251,7 @@
         </p:nvSpPr>
         <p:spPr>
           <a:xfrm>
-            <a:off x="875211" y="5167741"/>
+            <a:off x="875211" y="4645226"/>
             <a:ext cx="10633166" cy="565325"/>
           </a:xfrm>
           <a:prstGeom prst="rect">
@@ -7948,7 +8343,25 @@
               <a:rPr lang="en-US" sz="3200" dirty="0" smtClean="0">
                 <a:latin typeface="Arial Black" panose="020B0A04020102020204" pitchFamily="34" charset="0"/>
               </a:rPr>
-              <a:t>REQUESTOR CREATE BONDED WHSE TRANSACTION</a:t>
+              <a:t>REQUESTOR </a:t>
+            </a:r>
+            <a:r>
+              <a:rPr lang="en-US" sz="3200" dirty="0" smtClean="0">
+                <a:latin typeface="Arial Black" panose="020B0A04020102020204" pitchFamily="34" charset="0"/>
+              </a:rPr>
+              <a:t>TO </a:t>
+            </a:r>
+            <a:r>
+              <a:rPr lang="en-US" sz="3200" dirty="0" smtClean="0">
+                <a:latin typeface="Arial Black" panose="020B0A04020102020204" pitchFamily="34" charset="0"/>
+              </a:rPr>
+              <a:t>CREATE </a:t>
+            </a:r>
+            <a:r>
+              <a:rPr lang="en-US" sz="3200" dirty="0" smtClean="0">
+                <a:latin typeface="Arial Black" panose="020B0A04020102020204" pitchFamily="34" charset="0"/>
+              </a:rPr>
+              <a:t>BONDED WHSE TRANSACTION</a:t>
             </a:r>
             <a:endParaRPr lang="en-US" sz="3200" dirty="0">
               <a:latin typeface="Arial Black" panose="020B0A04020102020204" pitchFamily="34" charset="0"/>
